--- a/Laravel/materi2/Kenapa Laravel.pptx
+++ b/Laravel/materi2/Kenapa Laravel.pptx
@@ -1231,7 +1231,7 @@
 <dsp:drawing xmlns:dsp="http://schemas.microsoft.com/office/drawing/2008/diagram" xmlns:dgm="http://schemas.openxmlformats.org/drawingml/2006/diagram" xmlns:a="http://schemas.openxmlformats.org/drawingml/2006/main" xmlns:r="http://schemas.openxmlformats.org/officeDocument/2006/relationships">
   <dsp:spTree>
     <dsp:nvGrpSpPr>
-      <dsp:cNvPr id="1216091969" name=""/>
+      <dsp:cNvPr id="651217030" name=""/>
       <dsp:cNvGrpSpPr/>
     </dsp:nvGrpSpPr>
     <dsp:grpSpPr bwMode="auto">
@@ -8575,12 +8575,12 @@
   <mc:AlternateContent xmlns:mc="http://schemas.openxmlformats.org/markup-compatibility/2006">
     <mc:Choice xmlns:p159="http://schemas.microsoft.com/office/powerpoint/2015/09/main" xmlns:p14="http://schemas.microsoft.com/office/powerpoint/2010/main" Requires="p159">
       <p:transition spd="slow" p14:dur="2000" advClick="1">
-        <p:push dir="l"/>
+        <p:pull dir="u"/>
       </p:transition>
     </mc:Choice>
     <mc:Fallback>
       <p:transition spd="slow" advClick="1">
-        <p:push dir="l"/>
+        <p:pull dir="u"/>
       </p:transition>
     </mc:Fallback>
   </mc:AlternateContent>
@@ -8852,12 +8852,12 @@
   <mc:AlternateContent xmlns:mc="http://schemas.openxmlformats.org/markup-compatibility/2006">
     <mc:Choice xmlns:p159="http://schemas.microsoft.com/office/powerpoint/2015/09/main" xmlns:p14="http://schemas.microsoft.com/office/powerpoint/2010/main" Requires="p159">
       <p:transition spd="slow" p14:dur="2000" advClick="1">
-        <p:push dir="u"/>
+        <p:push dir="l"/>
       </p:transition>
     </mc:Choice>
     <mc:Fallback>
       <p:transition spd="slow" advClick="1">
-        <p:push dir="u"/>
+        <p:push dir="l"/>
       </p:transition>
     </mc:Fallback>
   </mc:AlternateContent>
